--- a/writeup/figures/resnet18.pptx
+++ b/writeup/figures/resnet18.pptx
@@ -244,7 +244,7 @@
           <a:p>
             <a:fld id="{AA01E337-938C-D24F-A7B8-30761761601C}" type="datetimeFigureOut">
               <a:rPr lang="en-US" smtClean="0"/>
-              <a:t>12/7/18</a:t>
+              <a:t>12/9/18</a:t>
             </a:fld>
             <a:endParaRPr lang="en-US"/>
           </a:p>
@@ -414,7 +414,7 @@
           <a:p>
             <a:fld id="{AA01E337-938C-D24F-A7B8-30761761601C}" type="datetimeFigureOut">
               <a:rPr lang="en-US" smtClean="0"/>
-              <a:t>12/7/18</a:t>
+              <a:t>12/9/18</a:t>
             </a:fld>
             <a:endParaRPr lang="en-US"/>
           </a:p>
@@ -594,7 +594,7 @@
           <a:p>
             <a:fld id="{AA01E337-938C-D24F-A7B8-30761761601C}" type="datetimeFigureOut">
               <a:rPr lang="en-US" smtClean="0"/>
-              <a:t>12/7/18</a:t>
+              <a:t>12/9/18</a:t>
             </a:fld>
             <a:endParaRPr lang="en-US"/>
           </a:p>
@@ -764,7 +764,7 @@
           <a:p>
             <a:fld id="{AA01E337-938C-D24F-A7B8-30761761601C}" type="datetimeFigureOut">
               <a:rPr lang="en-US" smtClean="0"/>
-              <a:t>12/7/18</a:t>
+              <a:t>12/9/18</a:t>
             </a:fld>
             <a:endParaRPr lang="en-US"/>
           </a:p>
@@ -1008,7 +1008,7 @@
           <a:p>
             <a:fld id="{AA01E337-938C-D24F-A7B8-30761761601C}" type="datetimeFigureOut">
               <a:rPr lang="en-US" smtClean="0"/>
-              <a:t>12/7/18</a:t>
+              <a:t>12/9/18</a:t>
             </a:fld>
             <a:endParaRPr lang="en-US"/>
           </a:p>
@@ -1240,7 +1240,7 @@
           <a:p>
             <a:fld id="{AA01E337-938C-D24F-A7B8-30761761601C}" type="datetimeFigureOut">
               <a:rPr lang="en-US" smtClean="0"/>
-              <a:t>12/7/18</a:t>
+              <a:t>12/9/18</a:t>
             </a:fld>
             <a:endParaRPr lang="en-US"/>
           </a:p>
@@ -1607,7 +1607,7 @@
           <a:p>
             <a:fld id="{AA01E337-938C-D24F-A7B8-30761761601C}" type="datetimeFigureOut">
               <a:rPr lang="en-US" smtClean="0"/>
-              <a:t>12/7/18</a:t>
+              <a:t>12/9/18</a:t>
             </a:fld>
             <a:endParaRPr lang="en-US"/>
           </a:p>
@@ -1725,7 +1725,7 @@
           <a:p>
             <a:fld id="{AA01E337-938C-D24F-A7B8-30761761601C}" type="datetimeFigureOut">
               <a:rPr lang="en-US" smtClean="0"/>
-              <a:t>12/7/18</a:t>
+              <a:t>12/9/18</a:t>
             </a:fld>
             <a:endParaRPr lang="en-US"/>
           </a:p>
@@ -1820,7 +1820,7 @@
           <a:p>
             <a:fld id="{AA01E337-938C-D24F-A7B8-30761761601C}" type="datetimeFigureOut">
               <a:rPr lang="en-US" smtClean="0"/>
-              <a:t>12/7/18</a:t>
+              <a:t>12/9/18</a:t>
             </a:fld>
             <a:endParaRPr lang="en-US"/>
           </a:p>
@@ -2097,7 +2097,7 @@
           <a:p>
             <a:fld id="{AA01E337-938C-D24F-A7B8-30761761601C}" type="datetimeFigureOut">
               <a:rPr lang="en-US" smtClean="0"/>
-              <a:t>12/7/18</a:t>
+              <a:t>12/9/18</a:t>
             </a:fld>
             <a:endParaRPr lang="en-US"/>
           </a:p>
@@ -2354,7 +2354,7 @@
           <a:p>
             <a:fld id="{AA01E337-938C-D24F-A7B8-30761761601C}" type="datetimeFigureOut">
               <a:rPr lang="en-US" smtClean="0"/>
-              <a:t>12/7/18</a:t>
+              <a:t>12/9/18</a:t>
             </a:fld>
             <a:endParaRPr lang="en-US"/>
           </a:p>
@@ -2567,7 +2567,7 @@
           <a:p>
             <a:fld id="{AA01E337-938C-D24F-A7B8-30761761601C}" type="datetimeFigureOut">
               <a:rPr lang="en-US" smtClean="0"/>
-              <a:t>12/7/18</a:t>
+              <a:t>12/9/18</a:t>
             </a:fld>
             <a:endParaRPr lang="en-US"/>
           </a:p>
@@ -2981,9 +2981,9 @@
         <p:grpSpPr>
           <a:xfrm>
             <a:off x="1055294" y="511444"/>
-            <a:ext cx="3145786" cy="9095532"/>
+            <a:ext cx="3058324" cy="8998287"/>
             <a:chOff x="1055294" y="511444"/>
-            <a:chExt cx="3145786" cy="9095532"/>
+            <a:chExt cx="3058324" cy="8998287"/>
           </a:xfrm>
         </p:grpSpPr>
         <p:pic>
@@ -3611,29 +3611,6 @@
         </p:grpSp>
         <p:pic>
           <p:nvPicPr>
-            <p:cNvPr id="26" name="Picture 25"/>
-            <p:cNvPicPr>
-              <a:picLocks noChangeAspect="1"/>
-            </p:cNvPicPr>
-            <p:nvPr/>
-          </p:nvPicPr>
-          <p:blipFill rotWithShape="1">
-            <a:blip r:embed="rId15"/>
-            <a:srcRect r="853" b="8927"/>
-            <a:stretch/>
-          </p:blipFill>
-          <p:spPr>
-            <a:xfrm rot="10800000">
-              <a:off x="1142754" y="8967745"/>
-              <a:ext cx="3058326" cy="639231"/>
-            </a:xfrm>
-            <a:prstGeom prst="rect">
-              <a:avLst/>
-            </a:prstGeom>
-          </p:spPr>
-        </p:pic>
-        <p:pic>
-          <p:nvPicPr>
             <p:cNvPr id="31" name="Picture 30"/>
             <p:cNvPicPr>
               <a:picLocks noChangeAspect="1"/>
@@ -3641,7 +3618,7 @@
             <p:nvPr/>
           </p:nvPicPr>
           <p:blipFill>
-            <a:blip r:embed="rId16"/>
+            <a:blip r:embed="rId15"/>
             <a:stretch>
               <a:fillRect/>
             </a:stretch>
@@ -3665,7 +3642,7 @@
             <p:nvPr/>
           </p:nvPicPr>
           <p:blipFill>
-            <a:blip r:embed="rId17"/>
+            <a:blip r:embed="rId16"/>
             <a:stretch>
               <a:fillRect/>
             </a:stretch>
